--- a/Presentation/Joyride Presentation.pptx
+++ b/Presentation/Joyride Presentation.pptx
@@ -19,9 +19,6 @@
     <p:sldId id="264" r:id="rId16"/>
     <p:sldId id="265" r:id="rId17"/>
     <p:sldId id="266" r:id="rId18"/>
-    <p:sldId id="267" r:id="rId19"/>
-    <p:sldId id="268" r:id="rId20"/>
-    <p:sldId id="269" r:id="rId21"/>
   </p:sldIdLst>
   <p:sldSz cx="13004800" cy="9753600"/>
   <p:notesSz cx="6858000" cy="9144000"/>
@@ -4751,67 +4748,6 @@
 <file path=ppt/slides/slide10.xml><?xml version="1.0" encoding="utf-8"?>
 <p:sld xmlns:a="http://schemas.openxmlformats.org/drawingml/2006/main" xmlns:r="http://schemas.openxmlformats.org/officeDocument/2006/relationships" xmlns:p="http://schemas.openxmlformats.org/presentationml/2006/main" xmlns:m="http://schemas.openxmlformats.org/officeDocument/2006/math" xmlns:a14="http://schemas.microsoft.com/office/drawing/2010/main" showMasterSp="1" showMasterPhAnim="1">
   <p:cSld>
-    <p:spTree>
-      <p:nvGrpSpPr>
-        <p:cNvPr id="1" name=""/>
-        <p:cNvGrpSpPr/>
-        <p:nvPr/>
-      </p:nvGrpSpPr>
-      <p:grpSpPr>
-        <a:xfrm>
-          <a:off x="0" y="0"/>
-          <a:ext cx="0" cy="0"/>
-          <a:chOff x="0" y="0"/>
-          <a:chExt cx="0" cy="0"/>
-        </a:xfrm>
-      </p:grpSpPr>
-      <p:sp>
-        <p:nvSpPr>
-          <p:cNvPr id="198" name="Getting into the code  let’s go to GitHub!"/>
-          <p:cNvSpPr txBox="1"/>
-          <p:nvPr>
-            <p:ph type="title"/>
-          </p:nvPr>
-        </p:nvSpPr>
-        <p:spPr>
-          <a:prstGeom prst="rect">
-            <a:avLst/>
-          </a:prstGeom>
-        </p:spPr>
-        <p:txBody>
-          <a:bodyPr/>
-          <a:lstStyle/>
-          <a:p>
-            <a:pPr defTabSz="449833">
-              <a:defRPr sz="13089"/>
-            </a:pPr>
-            <a:r>
-              <a:t>Getting into the code </a:t>
-            </a:r>
-            <a:br/>
-            <a:r>
-              <a:rPr sz="8855">
-                <a:solidFill>
-                  <a:srgbClr val="F8F3FF"/>
-                </a:solidFill>
-              </a:rPr>
-              <a:t>let’s go to GitHub!</a:t>
-            </a:r>
-          </a:p>
-        </p:txBody>
-      </p:sp>
-    </p:spTree>
-  </p:cSld>
-  <p:clrMapOvr>
-    <a:masterClrMapping/>
-  </p:clrMapOvr>
-  <p:transition xmlns:p14="http://schemas.microsoft.com/office/powerpoint/2010/main" spd="med" advClick="1"/>
-</p:sld>
-</file>
-
-<file path=ppt/slides/slide11.xml><?xml version="1.0" encoding="utf-8"?>
-<p:sld xmlns:a="http://schemas.openxmlformats.org/drawingml/2006/main" xmlns:r="http://schemas.openxmlformats.org/officeDocument/2006/relationships" xmlns:p="http://schemas.openxmlformats.org/presentationml/2006/main" xmlns:m="http://schemas.openxmlformats.org/officeDocument/2006/math" xmlns:a14="http://schemas.microsoft.com/office/drawing/2010/main" showMasterSp="1" showMasterPhAnim="1">
-  <p:cSld>
     <p:bg>
       <p:bgPr>
         <a:solidFill>
@@ -4835,7 +4771,7 @@
       </p:grpSpPr>
       <p:sp>
         <p:nvSpPr>
-          <p:cNvPr id="200" name="Joyride"/>
+          <p:cNvPr id="196" name="Any questions?"/>
           <p:cNvSpPr txBox="1"/>
           <p:nvPr>
             <p:ph type="body" idx="13"/>
@@ -4852,48 +4788,17 @@
           <a:p>
             <a:pPr/>
             <a:r>
-              <a:t>Joyride</a:t>
-            </a:r>
-          </a:p>
-        </p:txBody>
-      </p:sp>
-      <p:sp>
-        <p:nvSpPr>
-          <p:cNvPr id="201" name="Javascript"/>
+              <a:t>Any questions?</a:t>
+            </a:r>
+          </a:p>
+        </p:txBody>
+      </p:sp>
+      <p:sp>
+        <p:nvSpPr>
+          <p:cNvPr id="197" name="Joyride"/>
           <p:cNvSpPr txBox="1"/>
           <p:nvPr>
-            <p:ph type="title"/>
-          </p:nvPr>
-        </p:nvSpPr>
-        <p:spPr>
-          <a:prstGeom prst="rect">
-            <a:avLst/>
-          </a:prstGeom>
-        </p:spPr>
-        <p:txBody>
-          <a:bodyPr/>
-          <a:lstStyle>
-            <a:lvl1pPr defTabSz="467359">
-              <a:spcBef>
-                <a:spcPts val="2200"/>
-              </a:spcBef>
-              <a:defRPr sz="4800"/>
-            </a:lvl1pPr>
-          </a:lstStyle>
-          <a:p>
-            <a:pPr/>
-            <a:r>
-              <a:t>Javascript</a:t>
-            </a:r>
-          </a:p>
-        </p:txBody>
-      </p:sp>
-      <p:sp>
-        <p:nvSpPr>
-          <p:cNvPr id="202" name="Code snippet"/>
-          <p:cNvSpPr txBox="1"/>
-          <p:nvPr>
-            <p:ph type="body" sz="half" idx="1"/>
+            <p:ph type="body" idx="15"/>
           </p:nvPr>
         </p:nvSpPr>
         <p:spPr>
@@ -4907,7 +4812,7 @@
           <a:p>
             <a:pPr/>
             <a:r>
-              <a:t>Code snippet</a:t>
+              <a:t>Joyride</a:t>
             </a:r>
           </a:p>
         </p:txBody>
@@ -4921,7 +4826,7 @@
 </p:sld>
 </file>
 
-<file path=ppt/slides/slide12.xml><?xml version="1.0" encoding="utf-8"?>
+<file path=ppt/slides/slide11.xml><?xml version="1.0" encoding="utf-8"?>
 <p:sld xmlns:a="http://schemas.openxmlformats.org/drawingml/2006/main" xmlns:r="http://schemas.openxmlformats.org/officeDocument/2006/relationships" xmlns:p="http://schemas.openxmlformats.org/presentationml/2006/main" xmlns:m="http://schemas.openxmlformats.org/officeDocument/2006/math" xmlns:a14="http://schemas.microsoft.com/office/drawing/2010/main" showMasterSp="1" showMasterPhAnim="1">
   <p:cSld>
     <p:spTree>
@@ -4940,10 +4845,10 @@
       </p:grpSpPr>
       <p:sp>
         <p:nvSpPr>
-          <p:cNvPr id="204" name="Joyride"/>
+          <p:cNvPr id="199" name="Joyride"/>
           <p:cNvSpPr txBox="1"/>
           <p:nvPr>
-            <p:ph type="body" idx="13"/>
+            <p:ph type="ctrTitle"/>
           </p:nvPr>
         </p:nvSpPr>
         <p:spPr>
@@ -4964,197 +4869,7 @@
       </p:sp>
       <p:sp>
         <p:nvSpPr>
-          <p:cNvPr id="205" name="Javascript"/>
-          <p:cNvSpPr txBox="1"/>
-          <p:nvPr>
-            <p:ph type="title"/>
-          </p:nvPr>
-        </p:nvSpPr>
-        <p:spPr>
-          <a:prstGeom prst="rect">
-            <a:avLst/>
-          </a:prstGeom>
-        </p:spPr>
-        <p:txBody>
-          <a:bodyPr/>
-          <a:lstStyle>
-            <a:lvl1pPr defTabSz="467359">
-              <a:spcBef>
-                <a:spcPts val="2200"/>
-              </a:spcBef>
-              <a:defRPr sz="4800"/>
-            </a:lvl1pPr>
-          </a:lstStyle>
-          <a:p>
-            <a:pPr/>
-            <a:r>
-              <a:t>Javascript</a:t>
-            </a:r>
-          </a:p>
-        </p:txBody>
-      </p:sp>
-      <p:sp>
-        <p:nvSpPr>
-          <p:cNvPr id="206" name="Code snippet"/>
-          <p:cNvSpPr txBox="1"/>
-          <p:nvPr>
-            <p:ph type="body" idx="1"/>
-          </p:nvPr>
-        </p:nvSpPr>
-        <p:spPr>
-          <a:xfrm>
-            <a:off x="406400" y="2743200"/>
-            <a:ext cx="11897420" cy="6108700"/>
-          </a:xfrm>
-          <a:prstGeom prst="rect">
-            <a:avLst/>
-          </a:prstGeom>
-        </p:spPr>
-        <p:txBody>
-          <a:bodyPr/>
-          <a:lstStyle/>
-          <a:p>
-            <a:pPr/>
-            <a:r>
-              <a:t>Code snippet</a:t>
-            </a:r>
-          </a:p>
-        </p:txBody>
-      </p:sp>
-    </p:spTree>
-  </p:cSld>
-  <p:clrMapOvr>
-    <a:masterClrMapping/>
-  </p:clrMapOvr>
-  <p:transition xmlns:p14="http://schemas.microsoft.com/office/powerpoint/2010/main" spd="med" advClick="1"/>
-</p:sld>
-</file>
-
-<file path=ppt/slides/slide13.xml><?xml version="1.0" encoding="utf-8"?>
-<p:sld xmlns:a="http://schemas.openxmlformats.org/drawingml/2006/main" xmlns:r="http://schemas.openxmlformats.org/officeDocument/2006/relationships" xmlns:p="http://schemas.openxmlformats.org/presentationml/2006/main" xmlns:m="http://schemas.openxmlformats.org/officeDocument/2006/math" xmlns:a14="http://schemas.microsoft.com/office/drawing/2010/main" showMasterSp="1" showMasterPhAnim="1">
-  <p:cSld>
-    <p:bg>
-      <p:bgPr>
-        <a:solidFill>
-          <a:srgbClr val="FFFFFF"/>
-        </a:solidFill>
-      </p:bgPr>
-    </p:bg>
-    <p:spTree>
-      <p:nvGrpSpPr>
-        <p:cNvPr id="1" name=""/>
-        <p:cNvGrpSpPr/>
-        <p:nvPr/>
-      </p:nvGrpSpPr>
-      <p:grpSpPr>
-        <a:xfrm>
-          <a:off x="0" y="0"/>
-          <a:ext cx="0" cy="0"/>
-          <a:chOff x="0" y="0"/>
-          <a:chExt cx="0" cy="0"/>
-        </a:xfrm>
-      </p:grpSpPr>
-      <p:sp>
-        <p:nvSpPr>
-          <p:cNvPr id="208" name="Any questions?"/>
-          <p:cNvSpPr txBox="1"/>
-          <p:nvPr>
-            <p:ph type="body" idx="13"/>
-          </p:nvPr>
-        </p:nvSpPr>
-        <p:spPr>
-          <a:prstGeom prst="rect">
-            <a:avLst/>
-          </a:prstGeom>
-        </p:spPr>
-        <p:txBody>
-          <a:bodyPr/>
-          <a:lstStyle/>
-          <a:p>
-            <a:pPr/>
-            <a:r>
-              <a:t>Any questions?</a:t>
-            </a:r>
-          </a:p>
-        </p:txBody>
-      </p:sp>
-      <p:sp>
-        <p:nvSpPr>
-          <p:cNvPr id="209" name="Joyride"/>
-          <p:cNvSpPr txBox="1"/>
-          <p:nvPr>
-            <p:ph type="body" idx="15"/>
-          </p:nvPr>
-        </p:nvSpPr>
-        <p:spPr>
-          <a:prstGeom prst="rect">
-            <a:avLst/>
-          </a:prstGeom>
-        </p:spPr>
-        <p:txBody>
-          <a:bodyPr/>
-          <a:lstStyle/>
-          <a:p>
-            <a:pPr/>
-            <a:r>
-              <a:t>Joyride</a:t>
-            </a:r>
-          </a:p>
-        </p:txBody>
-      </p:sp>
-    </p:spTree>
-  </p:cSld>
-  <p:clrMapOvr>
-    <a:masterClrMapping/>
-  </p:clrMapOvr>
-  <p:transition xmlns:p14="http://schemas.microsoft.com/office/powerpoint/2010/main" spd="med" advClick="1"/>
-</p:sld>
-</file>
-
-<file path=ppt/slides/slide14.xml><?xml version="1.0" encoding="utf-8"?>
-<p:sld xmlns:a="http://schemas.openxmlformats.org/drawingml/2006/main" xmlns:r="http://schemas.openxmlformats.org/officeDocument/2006/relationships" xmlns:p="http://schemas.openxmlformats.org/presentationml/2006/main" xmlns:m="http://schemas.openxmlformats.org/officeDocument/2006/math" xmlns:a14="http://schemas.microsoft.com/office/drawing/2010/main" showMasterSp="1" showMasterPhAnim="1">
-  <p:cSld>
-    <p:spTree>
-      <p:nvGrpSpPr>
-        <p:cNvPr id="1" name=""/>
-        <p:cNvGrpSpPr/>
-        <p:nvPr/>
-      </p:nvGrpSpPr>
-      <p:grpSpPr>
-        <a:xfrm>
-          <a:off x="0" y="0"/>
-          <a:ext cx="0" cy="0"/>
-          <a:chOff x="0" y="0"/>
-          <a:chExt cx="0" cy="0"/>
-        </a:xfrm>
-      </p:grpSpPr>
-      <p:sp>
-        <p:nvSpPr>
-          <p:cNvPr id="211" name="Joyride"/>
-          <p:cNvSpPr txBox="1"/>
-          <p:nvPr>
-            <p:ph type="ctrTitle"/>
-          </p:nvPr>
-        </p:nvSpPr>
-        <p:spPr>
-          <a:prstGeom prst="rect">
-            <a:avLst/>
-          </a:prstGeom>
-        </p:spPr>
-        <p:txBody>
-          <a:bodyPr/>
-          <a:lstStyle/>
-          <a:p>
-            <a:pPr/>
-            <a:r>
-              <a:t>Joyride</a:t>
-            </a:r>
-          </a:p>
-        </p:txBody>
-      </p:sp>
-      <p:sp>
-        <p:nvSpPr>
-          <p:cNvPr id="212" name="Group #4 - Annika, Drew, John &amp; Terrell"/>
+          <p:cNvPr id="200" name="Group #4 - Annika, Drew, John &amp; Terrell"/>
           <p:cNvSpPr txBox="1"/>
           <p:nvPr>
             <p:ph type="subTitle" sz="quarter" idx="1"/>
@@ -5440,7 +5155,7 @@
       </p:grpSpPr>
       <p:pic>
         <p:nvPicPr>
-          <p:cNvPr id="177" name="Screen Shot 2018-12-18 at 6.52.14 PM.png" descr="Screen Shot 2018-12-18 at 6.52.14 PM.png"/>
+          <p:cNvPr id="177" name="Screen Shot 2018-12-20 at 5.53.38 PM.png" descr="Screen Shot 2018-12-20 at 5.53.38 PM.png"/>
           <p:cNvPicPr>
             <a:picLocks noChangeAspect="0"/>
           </p:cNvPicPr>
@@ -5452,15 +5167,15 @@
           <a:blip r:embed="rId2">
             <a:extLst/>
           </a:blip>
-          <a:srcRect l="173" t="0" r="33516" b="0"/>
+          <a:srcRect l="0" t="0" r="17031" b="0"/>
           <a:stretch>
             <a:fillRect/>
           </a:stretch>
         </p:blipFill>
         <p:spPr>
           <a:xfrm>
-            <a:off x="541932" y="406400"/>
-            <a:ext cx="11921068" cy="8940800"/>
+            <a:off x="434345" y="585754"/>
+            <a:ext cx="12028655" cy="8582092"/>
           </a:xfrm>
           <a:prstGeom prst="rect">
             <a:avLst/>
@@ -5644,102 +5359,138 @@
           <a:chExt cx="0" cy="0"/>
         </a:xfrm>
       </p:grpSpPr>
-      <p:pic>
-        <p:nvPicPr>
-          <p:cNvPr id="183" name="Image" descr="Image"/>
-          <p:cNvPicPr>
-            <a:picLocks noChangeAspect="1"/>
-          </p:cNvPicPr>
-          <p:nvPr>
-            <p:ph type="pic" idx="13"/>
-          </p:nvPr>
-        </p:nvPicPr>
-        <p:blipFill>
-          <a:blip r:embed="rId2">
-            <a:extLst/>
-          </a:blip>
-          <a:srcRect l="6172" t="129" r="6044" b="129"/>
-          <a:stretch>
-            <a:fillRect/>
-          </a:stretch>
-        </p:blipFill>
-        <p:spPr>
-          <a:xfrm>
-            <a:off x="1013155" y="1519733"/>
-            <a:ext cx="10978490" cy="8233868"/>
-          </a:xfrm>
-          <a:prstGeom prst="rect">
-            <a:avLst/>
-          </a:prstGeom>
-        </p:spPr>
-      </p:pic>
-      <p:sp>
-        <p:nvSpPr>
-          <p:cNvPr id="184" name="Example:"/>
+      <p:sp>
+        <p:nvSpPr>
+          <p:cNvPr id="183" name="joyride"/>
           <p:cNvSpPr txBox="1"/>
           <p:nvPr>
-            <p:ph type="title" idx="4294967295"/>
-          </p:nvPr>
-        </p:nvSpPr>
-        <p:spPr>
-          <a:xfrm>
-            <a:off x="406400" y="508000"/>
-            <a:ext cx="12192000" cy="723900"/>
-          </a:xfrm>
+            <p:ph type="body" idx="13"/>
+          </p:nvPr>
+        </p:nvSpPr>
+        <p:spPr>
           <a:prstGeom prst="rect">
             <a:avLst/>
           </a:prstGeom>
         </p:spPr>
         <p:txBody>
           <a:bodyPr/>
-          <a:lstStyle>
-            <a:lvl1pPr defTabSz="467359">
+          <a:lstStyle/>
+          <a:p>
+            <a:pPr lvl="1" marL="0" indent="0" defTabSz="457200">
+              <a:lnSpc>
+                <a:spcPct val="80000"/>
+              </a:lnSpc>
+              <a:spcBef>
+                <a:spcPts val="0"/>
+              </a:spcBef>
+              <a:buClrTx/>
+              <a:buSzTx/>
+              <a:buFontTx/>
+              <a:buNone/>
+              <a:defRPr cap="all" spc="120" sz="2400">
+                <a:latin typeface="DIN Alternate"/>
+                <a:ea typeface="DIN Alternate"/>
+                <a:cs typeface="DIN Alternate"/>
+                <a:sym typeface="DIN Alternate"/>
+              </a:defRPr>
+            </a:pPr>
+            <a:r>
+              <a:t>joyride</a:t>
+            </a:r>
+          </a:p>
+        </p:txBody>
+      </p:sp>
+      <p:sp>
+        <p:nvSpPr>
+          <p:cNvPr id="184" name="So how does it work?"/>
+          <p:cNvSpPr txBox="1"/>
+          <p:nvPr>
+            <p:ph type="title"/>
+          </p:nvPr>
+        </p:nvSpPr>
+        <p:spPr>
+          <a:prstGeom prst="rect">
+            <a:avLst/>
+          </a:prstGeom>
+        </p:spPr>
+        <p:txBody>
+          <a:bodyPr/>
+          <a:lstStyle/>
+          <a:p>
+            <a:pPr lvl="1" defTabSz="467359">
               <a:spcBef>
                 <a:spcPts val="2200"/>
               </a:spcBef>
               <a:defRPr sz="4800"/>
-            </a:lvl1pPr>
-          </a:lstStyle>
-          <a:p>
-            <a:pPr/>
-            <a:r>
-              <a:t>Example:</a:t>
-            </a:r>
-          </a:p>
-        </p:txBody>
-      </p:sp>
-      <p:sp>
-        <p:nvSpPr>
-          <p:cNvPr id="185" name="This is where the completed page screenshot will go!"/>
+            </a:pPr>
+            <a:r>
+              <a:t>So how does it work?</a:t>
+            </a:r>
+          </a:p>
+        </p:txBody>
+      </p:sp>
+      <p:sp>
+        <p:nvSpPr>
+          <p:cNvPr id="185" name="Joyride pulls from two existing APIs:…"/>
           <p:cNvSpPr txBox="1"/>
-          <p:nvPr/>
+          <p:nvPr>
+            <p:ph type="body" idx="1"/>
+          </p:nvPr>
         </p:nvSpPr>
         <p:spPr>
           <a:xfrm>
-            <a:off x="3352165" y="869950"/>
-            <a:ext cx="6300471" cy="444501"/>
+            <a:off x="406400" y="2749550"/>
+            <a:ext cx="12192000" cy="6108700"/>
           </a:xfrm>
           <a:prstGeom prst="rect">
             <a:avLst/>
           </a:prstGeom>
-          <a:ln w="12700">
-            <a:miter lim="400000"/>
-          </a:ln>
-          <a:extLst>
-            <a:ext uri="{C572A759-6A51-4108-AA02-DFA0A04FC94B}">
-              <ma14:wrappingTextBoxFlag xmlns:ma14="http://schemas.microsoft.com/office/mac/drawingml/2011/main" val="1"/>
-            </a:ext>
-          </a:extLst>
-        </p:spPr>
-        <p:txBody>
-          <a:bodyPr wrap="none" lIns="50800" tIns="50800" rIns="50800" bIns="50800" anchor="ctr">
-            <a:spAutoFit/>
-          </a:bodyPr>
+        </p:spPr>
+        <p:txBody>
+          <a:bodyPr/>
           <a:lstStyle/>
           <a:p>
-            <a:pPr/>
-            <a:r>
-              <a:t>This is where the completed page screenshot will go!</a:t>
+            <a:pPr marL="444499" indent="-444499">
+              <a:defRPr sz="4000"/>
+            </a:pPr>
+            <a:r>
+              <a:t>Joyride pulls from two existing APIs:</a:t>
+            </a:r>
+          </a:p>
+          <a:p>
+            <a:pPr lvl="2">
+              <a:defRPr sz="4000"/>
+            </a:pPr>
+            <a:r>
+              <a:t> Google Maps </a:t>
+            </a:r>
+          </a:p>
+          <a:p>
+            <a:pPr lvl="5">
+              <a:buClr>
+                <a:schemeClr val="accent1"/>
+              </a:buClr>
+              <a:buChar char="▸"/>
+              <a:defRPr sz="4000"/>
+            </a:pPr>
+            <a:r>
+              <a:t>&amp;</a:t>
+            </a:r>
+          </a:p>
+          <a:p>
+            <a:pPr lvl="2">
+              <a:defRPr sz="4000"/>
+            </a:pPr>
+            <a:r>
+              <a:t>OpenWeatherMap</a:t>
+            </a:r>
+          </a:p>
+          <a:p>
+            <a:pPr marL="444499" indent="-444499">
+              <a:defRPr sz="4000"/>
+            </a:pPr>
+            <a:r>
+              <a:t>Thereby presenting you with the safest, least hazardous route!</a:t>
             </a:r>
           </a:p>
         </p:txBody>
@@ -5813,7 +5564,7 @@
       </p:sp>
       <p:sp>
         <p:nvSpPr>
-          <p:cNvPr id="188" name="So how does it work?"/>
+          <p:cNvPr id="188" name="What else can it do?"/>
           <p:cNvSpPr txBox="1"/>
           <p:nvPr>
             <p:ph type="title"/>
@@ -5835,24 +5586,20 @@
               <a:defRPr sz="4800"/>
             </a:pPr>
             <a:r>
-              <a:t>So how does it work?</a:t>
-            </a:r>
-          </a:p>
-        </p:txBody>
-      </p:sp>
-      <p:sp>
-        <p:nvSpPr>
-          <p:cNvPr id="189" name="Joyride pulls from two existing APIs:…"/>
+              <a:t>What else can it do?</a:t>
+            </a:r>
+          </a:p>
+        </p:txBody>
+      </p:sp>
+      <p:sp>
+        <p:nvSpPr>
+          <p:cNvPr id="189" name="Joyride also has a user login system, where you can link your social media accounts (Facebook or Twitter) to your recently searched trips.…"/>
           <p:cNvSpPr txBox="1"/>
           <p:nvPr>
             <p:ph type="body" idx="1"/>
           </p:nvPr>
         </p:nvSpPr>
         <p:spPr>
-          <a:xfrm>
-            <a:off x="406400" y="2749550"/>
-            <a:ext cx="12192000" cy="6108700"/>
-          </a:xfrm>
           <a:prstGeom prst="rect">
             <a:avLst/>
           </a:prstGeom>
@@ -5861,47 +5608,36 @@
           <a:bodyPr/>
           <a:lstStyle/>
           <a:p>
-            <a:pPr marL="444499" indent="-444499">
-              <a:defRPr sz="4000"/>
+            <a:pPr marL="413384" indent="-413384" defTabSz="543305">
+              <a:spcBef>
+                <a:spcPts val="2600"/>
+              </a:spcBef>
+              <a:defRPr sz="3813"/>
             </a:pPr>
             <a:r>
-              <a:t>Joyride pulls from two existing APIs:</a:t>
-            </a:r>
-          </a:p>
-          <a:p>
-            <a:pPr lvl="2">
-              <a:defRPr sz="4000"/>
+              <a:t>Joyride also has a user login system, where you can link your social media accounts (Facebook or Twitter) to your recently searched trips.</a:t>
+            </a:r>
+          </a:p>
+          <a:p>
+            <a:pPr marL="413384" indent="-413384" defTabSz="543305">
+              <a:spcBef>
+                <a:spcPts val="2600"/>
+              </a:spcBef>
+              <a:defRPr sz="3813"/>
             </a:pPr>
             <a:r>
-              <a:t> Google Maps </a:t>
-            </a:r>
-          </a:p>
-          <a:p>
-            <a:pPr lvl="5">
-              <a:buClr>
-                <a:schemeClr val="accent1"/>
-              </a:buClr>
-              <a:buChar char="▸"/>
-              <a:defRPr sz="4000"/>
+              <a:t>Don’t use social media? That’s okay! </a:t>
+            </a:r>
+          </a:p>
+          <a:p>
+            <a:pPr marL="413384" indent="-413384" defTabSz="543305">
+              <a:spcBef>
+                <a:spcPts val="2600"/>
+              </a:spcBef>
+              <a:defRPr sz="3813"/>
             </a:pPr>
             <a:r>
-              <a:t>&amp;</a:t>
-            </a:r>
-          </a:p>
-          <a:p>
-            <a:pPr lvl="2">
-              <a:defRPr sz="4000"/>
-            </a:pPr>
-            <a:r>
-              <a:t>OpenWeatherMap</a:t>
-            </a:r>
-          </a:p>
-          <a:p>
-            <a:pPr marL="444499" indent="-444499">
-              <a:defRPr sz="4000"/>
-            </a:pPr>
-            <a:r>
-              <a:t>Thereby presenting you with the safest, least hazardous route!</a:t>
+              <a:t>You can also create a username and password exclusively for the Joyride application, so you can save your trips to your account and access them from any device.</a:t>
             </a:r>
           </a:p>
         </p:txBody>
@@ -5934,13 +5670,17 @@
       </p:grpSpPr>
       <p:sp>
         <p:nvSpPr>
-          <p:cNvPr id="191" name="joyride"/>
+          <p:cNvPr id="191" name="But really….…"/>
           <p:cNvSpPr txBox="1"/>
           <p:nvPr>
             <p:ph type="body" idx="13"/>
           </p:nvPr>
         </p:nvSpPr>
         <p:spPr>
+          <a:xfrm>
+            <a:off x="5892800" y="2641600"/>
+            <a:ext cx="6705600" cy="4885438"/>
+          </a:xfrm>
           <a:prstGeom prst="rect">
             <a:avLst/>
           </a:prstGeom>
@@ -5949,110 +5689,47 @@
           <a:bodyPr/>
           <a:lstStyle/>
           <a:p>
-            <a:pPr lvl="1" marL="0" indent="0" defTabSz="457200">
-              <a:lnSpc>
-                <a:spcPct val="80000"/>
-              </a:lnSpc>
-              <a:spcBef>
-                <a:spcPts val="0"/>
-              </a:spcBef>
-              <a:buClrTx/>
-              <a:buSzTx/>
-              <a:buFontTx/>
-              <a:buNone/>
-              <a:defRPr cap="all" spc="120" sz="2400">
-                <a:latin typeface="DIN Alternate"/>
-                <a:ea typeface="DIN Alternate"/>
-                <a:cs typeface="DIN Alternate"/>
-                <a:sym typeface="DIN Alternate"/>
-              </a:defRPr>
-            </a:pPr>
-            <a:r>
-              <a:t>joyride</a:t>
-            </a:r>
-          </a:p>
-        </p:txBody>
-      </p:sp>
-      <p:sp>
-        <p:nvSpPr>
-          <p:cNvPr id="192" name="What else can it do?"/>
-          <p:cNvSpPr txBox="1"/>
-          <p:nvPr>
-            <p:ph type="title"/>
-          </p:nvPr>
-        </p:nvSpPr>
-        <p:spPr>
-          <a:prstGeom prst="rect">
-            <a:avLst/>
-          </a:prstGeom>
-        </p:spPr>
-        <p:txBody>
-          <a:bodyPr/>
-          <a:lstStyle/>
-          <a:p>
-            <a:pPr lvl="1" defTabSz="467359">
-              <a:spcBef>
-                <a:spcPts val="2200"/>
-              </a:spcBef>
-              <a:defRPr sz="4800"/>
-            </a:pPr>
-            <a:r>
-              <a:t>What else can it do?</a:t>
-            </a:r>
-          </a:p>
-        </p:txBody>
-      </p:sp>
-      <p:sp>
-        <p:nvSpPr>
-          <p:cNvPr id="193" name="Joyride also has a user login system, where you can link your social media accounts (Facebook or Twitter) to your recently searched trips.…"/>
-          <p:cNvSpPr txBox="1"/>
-          <p:nvPr>
-            <p:ph type="body" idx="1"/>
-          </p:nvPr>
-        </p:nvSpPr>
-        <p:spPr>
-          <a:prstGeom prst="rect">
-            <a:avLst/>
-          </a:prstGeom>
-        </p:spPr>
-        <p:txBody>
-          <a:bodyPr/>
-          <a:lstStyle/>
-          <a:p>
-            <a:pPr marL="413384" indent="-413384" defTabSz="543305">
-              <a:spcBef>
-                <a:spcPts val="2600"/>
-              </a:spcBef>
-              <a:defRPr sz="3813"/>
-            </a:pPr>
-            <a:r>
-              <a:t>Joyride also has a user login system, where you can link your social media accounts (Facebook or Twitter) to your recently searched trips.</a:t>
-            </a:r>
-          </a:p>
-          <a:p>
-            <a:pPr marL="413384" indent="-413384" defTabSz="543305">
-              <a:spcBef>
-                <a:spcPts val="2600"/>
-              </a:spcBef>
-              <a:defRPr sz="3813"/>
-            </a:pPr>
-            <a:r>
-              <a:t>Don’t use social media? That’s okay! </a:t>
-            </a:r>
-          </a:p>
-          <a:p>
-            <a:pPr marL="413384" indent="-413384" defTabSz="543305">
-              <a:spcBef>
-                <a:spcPts val="2600"/>
-              </a:spcBef>
-              <a:defRPr sz="3813"/>
-            </a:pPr>
-            <a:r>
-              <a:t>You can also create a username and password exclusively for the Joyride application, so you can save your trips to your account and access them from any device.</a:t>
-            </a:r>
-          </a:p>
-        </p:txBody>
-      </p:sp>
+            <a:pPr/>
+            <a:r>
+              <a:t>But really….</a:t>
+            </a:r>
+          </a:p>
+          <a:p>
+            <a:pPr/>
+          </a:p>
+          <a:p>
+            <a:pPr/>
+            <a:r>
+              <a:t>how does it actually work?</a:t>
+            </a:r>
+          </a:p>
+        </p:txBody>
+      </p:sp>
+      <p:pic>
+        <p:nvPicPr>
+          <p:cNvPr id="192" name="weather.png" descr="weather.png"/>
+          <p:cNvPicPr>
+            <a:picLocks noChangeAspect="1"/>
+          </p:cNvPicPr>
+          <p:nvPr>
+            <p:ph type="pic" idx="14"/>
+          </p:nvPr>
+        </p:nvPicPr>
+        <p:blipFill>
+          <a:blip r:embed="rId2">
+            <a:extLst/>
+          </a:blip>
+          <a:srcRect l="21875" t="0" r="21875" b="0"/>
+          <a:stretch>
+            <a:fillRect/>
+          </a:stretch>
+        </p:blipFill>
+        <p:spPr>
+          <a:prstGeom prst="rect">
+            <a:avLst/>
+          </a:prstGeom>
+        </p:spPr>
+      </p:pic>
     </p:spTree>
   </p:cSld>
   <p:clrMapOvr>
@@ -6081,17 +5758,13 @@
       </p:grpSpPr>
       <p:sp>
         <p:nvSpPr>
-          <p:cNvPr id="195" name="But really….…"/>
+          <p:cNvPr id="194" name="Getting into the code  let’s go to GitHub!"/>
           <p:cNvSpPr txBox="1"/>
           <p:nvPr>
-            <p:ph type="body" idx="13"/>
-          </p:nvPr>
-        </p:nvSpPr>
-        <p:spPr>
-          <a:xfrm>
-            <a:off x="5892800" y="2641600"/>
-            <a:ext cx="6705600" cy="4885438"/>
-          </a:xfrm>
+            <p:ph type="title"/>
+          </p:nvPr>
+        </p:nvSpPr>
+        <p:spPr>
           <a:prstGeom prst="rect">
             <a:avLst/>
           </a:prstGeom>
@@ -6100,47 +5773,24 @@
           <a:bodyPr/>
           <a:lstStyle/>
           <a:p>
-            <a:pPr/>
-            <a:r>
-              <a:t>But really….</a:t>
-            </a:r>
-          </a:p>
-          <a:p>
-            <a:pPr/>
-          </a:p>
-          <a:p>
-            <a:pPr/>
-            <a:r>
-              <a:t>how does it actually work?</a:t>
-            </a:r>
-          </a:p>
-        </p:txBody>
-      </p:sp>
-      <p:pic>
-        <p:nvPicPr>
-          <p:cNvPr id="196" name="weather.png" descr="weather.png"/>
-          <p:cNvPicPr>
-            <a:picLocks noChangeAspect="1"/>
-          </p:cNvPicPr>
-          <p:nvPr>
-            <p:ph type="pic" idx="14"/>
-          </p:nvPr>
-        </p:nvPicPr>
-        <p:blipFill>
-          <a:blip r:embed="rId2">
-            <a:extLst/>
-          </a:blip>
-          <a:srcRect l="21875" t="0" r="21875" b="0"/>
-          <a:stretch>
-            <a:fillRect/>
-          </a:stretch>
-        </p:blipFill>
-        <p:spPr>
-          <a:prstGeom prst="rect">
-            <a:avLst/>
-          </a:prstGeom>
-        </p:spPr>
-      </p:pic>
+            <a:pPr defTabSz="449833">
+              <a:defRPr sz="13089"/>
+            </a:pPr>
+            <a:r>
+              <a:t>Getting into the code </a:t>
+            </a:r>
+            <a:br/>
+            <a:r>
+              <a:rPr sz="8855">
+                <a:solidFill>
+                  <a:srgbClr val="F8F3FF"/>
+                </a:solidFill>
+              </a:rPr>
+              <a:t>let’s go to GitHub!</a:t>
+            </a:r>
+          </a:p>
+        </p:txBody>
+      </p:sp>
     </p:spTree>
   </p:cSld>
   <p:clrMapOvr>
